--- a/esercitazioni/Laboratory_22-23/Session_4/Lab_04_Slides.pptx
+++ b/esercitazioni/Laboratory_22-23/Session_4/Lab_04_Slides.pptx
@@ -306,7 +306,7 @@
           <a:p>
             <a:fld id="{4AAD347D-5ACD-4C99-B74B-A9C85AD731AF}" type="datetimeFigureOut">
               <a:rPr lang="en-US" dirty="0"/>
-              <a:t>10/10/2022</a:t>
+              <a:t>11/14/2022</a:t>
             </a:fld>
             <a:endParaRPr lang="en-US" dirty="0"/>
           </a:p>
@@ -581,7 +581,7 @@
           <a:p>
             <a:fld id="{4509A250-FF31-4206-8172-F9D3106AACB1}" type="datetimeFigureOut">
               <a:rPr lang="en-US" dirty="0"/>
-              <a:t>10/10/2022</a:t>
+              <a:t>11/14/2022</a:t>
             </a:fld>
             <a:endParaRPr lang="en-US" dirty="0"/>
           </a:p>
@@ -775,7 +775,7 @@
           <a:p>
             <a:fld id="{4509A250-FF31-4206-8172-F9D3106AACB1}" type="datetimeFigureOut">
               <a:rPr lang="en-US" dirty="0"/>
-              <a:t>10/10/2022</a:t>
+              <a:t>11/14/2022</a:t>
             </a:fld>
             <a:endParaRPr lang="en-US" dirty="0"/>
           </a:p>
@@ -1048,7 +1048,7 @@
           <a:p>
             <a:fld id="{4509A250-FF31-4206-8172-F9D3106AACB1}" type="datetimeFigureOut">
               <a:rPr lang="en-US" dirty="0"/>
-              <a:t>10/10/2022</a:t>
+              <a:t>11/14/2022</a:t>
             </a:fld>
             <a:endParaRPr lang="en-US" dirty="0"/>
           </a:p>
@@ -1389,7 +1389,7 @@
           <a:p>
             <a:fld id="{4509A250-FF31-4206-8172-F9D3106AACB1}" type="datetimeFigureOut">
               <a:rPr lang="en-US" dirty="0"/>
-              <a:t>10/10/2022</a:t>
+              <a:t>11/14/2022</a:t>
             </a:fld>
             <a:endParaRPr lang="en-US" dirty="0"/>
           </a:p>
@@ -2012,7 +2012,7 @@
           <a:p>
             <a:fld id="{4509A250-FF31-4206-8172-F9D3106AACB1}" type="datetimeFigureOut">
               <a:rPr lang="en-US" dirty="0"/>
-              <a:t>10/10/2022</a:t>
+              <a:t>11/14/2022</a:t>
             </a:fld>
             <a:endParaRPr lang="en-US" dirty="0"/>
           </a:p>
@@ -2872,7 +2872,7 @@
           <a:p>
             <a:fld id="{4509A250-FF31-4206-8172-F9D3106AACB1}" type="datetimeFigureOut">
               <a:rPr lang="en-US" dirty="0"/>
-              <a:t>10/10/2022</a:t>
+              <a:t>11/14/2022</a:t>
             </a:fld>
             <a:endParaRPr lang="en-US" dirty="0"/>
           </a:p>
@@ -3042,7 +3042,7 @@
           <a:p>
             <a:fld id="{4509A250-FF31-4206-8172-F9D3106AACB1}" type="datetimeFigureOut">
               <a:rPr lang="en-US" dirty="0"/>
-              <a:t>10/10/2022</a:t>
+              <a:t>11/14/2022</a:t>
             </a:fld>
             <a:endParaRPr lang="en-US" dirty="0"/>
           </a:p>
@@ -3222,7 +3222,7 @@
           <a:p>
             <a:fld id="{4509A250-FF31-4206-8172-F9D3106AACB1}" type="datetimeFigureOut">
               <a:rPr lang="en-US" dirty="0"/>
-              <a:t>10/10/2022</a:t>
+              <a:t>11/14/2022</a:t>
             </a:fld>
             <a:endParaRPr lang="en-US" dirty="0"/>
           </a:p>
@@ -3485,7 +3485,7 @@
           <a:p>
             <a:fld id="{4509A250-FF31-4206-8172-F9D3106AACB1}" type="datetimeFigureOut">
               <a:rPr lang="en-US" dirty="0"/>
-              <a:t>10/10/2022</a:t>
+              <a:t>11/14/2022</a:t>
             </a:fld>
             <a:endParaRPr lang="en-US" dirty="0"/>
           </a:p>
@@ -3732,7 +3732,7 @@
           <a:p>
             <a:fld id="{9796027F-7875-4030-9381-8BD8C4F21935}" type="datetimeFigureOut">
               <a:rPr lang="en-US" dirty="0"/>
-              <a:t>10/10/2022</a:t>
+              <a:t>11/14/2022</a:t>
             </a:fld>
             <a:endParaRPr lang="en-US" dirty="0"/>
           </a:p>
@@ -4024,7 +4024,7 @@
           <a:p>
             <a:fld id="{9796027F-7875-4030-9381-8BD8C4F21935}" type="datetimeFigureOut">
               <a:rPr lang="en-US" dirty="0"/>
-              <a:t>10/10/2022</a:t>
+              <a:t>11/14/2022</a:t>
             </a:fld>
             <a:endParaRPr lang="en-US" dirty="0"/>
           </a:p>
@@ -4468,7 +4468,7 @@
           <a:p>
             <a:fld id="{9796027F-7875-4030-9381-8BD8C4F21935}" type="datetimeFigureOut">
               <a:rPr lang="en-US" dirty="0"/>
-              <a:t>10/10/2022</a:t>
+              <a:t>11/14/2022</a:t>
             </a:fld>
             <a:endParaRPr lang="en-US" dirty="0"/>
           </a:p>
@@ -4586,7 +4586,7 @@
           <a:p>
             <a:fld id="{4509A250-FF31-4206-8172-F9D3106AACB1}" type="datetimeFigureOut">
               <a:rPr lang="en-US" dirty="0"/>
-              <a:t>10/10/2022</a:t>
+              <a:t>11/14/2022</a:t>
             </a:fld>
             <a:endParaRPr lang="en-US" dirty="0"/>
           </a:p>
@@ -4681,7 +4681,7 @@
           <a:p>
             <a:fld id="{4509A250-FF31-4206-8172-F9D3106AACB1}" type="datetimeFigureOut">
               <a:rPr lang="en-US" dirty="0"/>
-              <a:t>10/10/2022</a:t>
+              <a:t>11/14/2022</a:t>
             </a:fld>
             <a:endParaRPr lang="en-US" dirty="0"/>
           </a:p>
@@ -4960,7 +4960,7 @@
           <a:p>
             <a:fld id="{4509A250-FF31-4206-8172-F9D3106AACB1}" type="datetimeFigureOut">
               <a:rPr lang="en-US" dirty="0"/>
-              <a:t>10/10/2022</a:t>
+              <a:t>11/14/2022</a:t>
             </a:fld>
             <a:endParaRPr lang="en-US" dirty="0"/>
           </a:p>
@@ -5235,7 +5235,7 @@
           <a:p>
             <a:fld id="{4509A250-FF31-4206-8172-F9D3106AACB1}" type="datetimeFigureOut">
               <a:rPr lang="en-US" dirty="0"/>
-              <a:t>10/10/2022</a:t>
+              <a:t>11/14/2022</a:t>
             </a:fld>
             <a:endParaRPr lang="en-US" dirty="0"/>
           </a:p>
@@ -5664,7 +5664,7 @@
           <a:p>
             <a:fld id="{4AAD347D-5ACD-4C99-B74B-A9C85AD731AF}" type="datetimeFigureOut">
               <a:rPr lang="en-US" dirty="0"/>
-              <a:t>10/10/2022</a:t>
+              <a:t>11/14/2022</a:t>
             </a:fld>
             <a:endParaRPr lang="en-US" dirty="0"/>
           </a:p>
@@ -6236,25 +6236,45 @@
               </a:lnSpc>
             </a:pPr>
             <a:r>
+              <a:rPr lang="it-IT" sz="7200" b="0" strike="noStrike" spc="-1" dirty="0">
+                <a:solidFill>
+                  <a:srgbClr val="EBEBEB"/>
+                </a:solidFill>
+                <a:latin typeface="Century Gothic"/>
+              </a:rPr>
+              <a:t>Network Security</a:t>
+            </a:r>
+            <a:br>
+              <a:rPr dirty="0"/>
+            </a:br>
+            <a:r>
+              <a:rPr lang="it-IT" sz="7200" b="0" strike="noStrike" spc="-1" dirty="0" err="1">
+                <a:solidFill>
+                  <a:srgbClr val="EBEBEB"/>
+                </a:solidFill>
+                <a:latin typeface="Century Gothic"/>
+              </a:rPr>
+              <a:t>Laboratory</a:t>
+            </a:r>
+            <a:r>
               <a:rPr lang="it-IT" sz="7200" b="0" strike="noStrike" spc="-1">
                 <a:solidFill>
                   <a:srgbClr val="EBEBEB"/>
                 </a:solidFill>
                 <a:latin typeface="Century Gothic"/>
               </a:rPr>
-              <a:t>Network Security</a:t>
-            </a:r>
-            <a:br/>
-            <a:r>
-              <a:rPr lang="it-IT" sz="7200" b="0" strike="noStrike" spc="-1">
+              <a:t> Session </a:t>
+            </a:r>
+            <a:r>
+              <a:rPr lang="it-IT" sz="7200" b="0" strike="noStrike" spc="-1" dirty="0">
                 <a:solidFill>
                   <a:srgbClr val="EBEBEB"/>
                 </a:solidFill>
                 <a:latin typeface="Century Gothic"/>
               </a:rPr>
-              <a:t>Laboratory – Lecture 4 </a:t>
-            </a:r>
-            <a:endParaRPr lang="en-US" sz="7200" b="0" strike="noStrike" spc="-1">
+              <a:t>4 </a:t>
+            </a:r>
+            <a:endParaRPr lang="en-US" sz="7200" b="0" strike="noStrike" spc="-1" dirty="0">
               <a:latin typeface="Arial"/>
             </a:endParaRPr>
           </a:p>
